--- a/Atlas.pptx
+++ b/Atlas.pptx
@@ -7,8 +7,11 @@
   <p:sldIdLst>
     <p:sldId id="256" r:id="rId2"/>
     <p:sldId id="257" r:id="rId3"/>
-    <p:sldId id="259" r:id="rId4"/>
-    <p:sldId id="258" r:id="rId5"/>
+    <p:sldId id="262" r:id="rId4"/>
+    <p:sldId id="260" r:id="rId5"/>
+    <p:sldId id="259" r:id="rId6"/>
+    <p:sldId id="258" r:id="rId7"/>
+    <p:sldId id="261" r:id="rId8"/>
   </p:sldIdLst>
   <p:sldSz cx="12192000" cy="6858000"/>
   <p:notesSz cx="6858000" cy="9144000"/>
@@ -107,6 +110,11 @@
       </a:defRPr>
     </a:lvl9pPr>
   </p:defaultTextStyle>
+  <p:extLst>
+    <p:ext uri="{EFAFB233-063F-42B5-8137-9DF3F51BA10A}">
+      <p15:sldGuideLst xmlns:p15="http://schemas.microsoft.com/office/powerpoint/2012/main"/>
+    </p:ext>
+  </p:extLst>
 </p:presentation>
 </file>
 
@@ -441,7 +449,7 @@
           <a:p>
             <a:fld id="{C104FF54-018A-427D-8C3B-D9A3981A5BBD}" type="datetimeFigureOut">
               <a:rPr lang="en-US" smtClean="0"/>
-              <a:t>12/6/2016</a:t>
+              <a:t>06-Dec-16</a:t>
             </a:fld>
             <a:endParaRPr lang="en-US"/>
           </a:p>
@@ -765,7 +773,7 @@
           <a:p>
             <a:fld id="{C104FF54-018A-427D-8C3B-D9A3981A5BBD}" type="datetimeFigureOut">
               <a:rPr lang="en-US" smtClean="0"/>
-              <a:t>12/6/2016</a:t>
+              <a:t>06-Dec-16</a:t>
             </a:fld>
             <a:endParaRPr lang="en-US"/>
           </a:p>
@@ -1013,7 +1021,7 @@
           <a:p>
             <a:fld id="{C104FF54-018A-427D-8C3B-D9A3981A5BBD}" type="datetimeFigureOut">
               <a:rPr lang="en-US" smtClean="0"/>
-              <a:t>12/6/2016</a:t>
+              <a:t>06-Dec-16</a:t>
             </a:fld>
             <a:endParaRPr lang="en-US"/>
           </a:p>
@@ -1352,7 +1360,7 @@
           <a:p>
             <a:fld id="{C104FF54-018A-427D-8C3B-D9A3981A5BBD}" type="datetimeFigureOut">
               <a:rPr lang="en-US" smtClean="0"/>
-              <a:t>12/6/2016</a:t>
+              <a:t>06-Dec-16</a:t>
             </a:fld>
             <a:endParaRPr lang="en-US"/>
           </a:p>
@@ -1699,7 +1707,7 @@
           <a:p>
             <a:fld id="{C104FF54-018A-427D-8C3B-D9A3981A5BBD}" type="datetimeFigureOut">
               <a:rPr lang="en-US" smtClean="0"/>
-              <a:t>12/6/2016</a:t>
+              <a:t>06-Dec-16</a:t>
             </a:fld>
             <a:endParaRPr lang="en-US"/>
           </a:p>
@@ -2073,7 +2081,7 @@
           <a:p>
             <a:fld id="{C104FF54-018A-427D-8C3B-D9A3981A5BBD}" type="datetimeFigureOut">
               <a:rPr lang="en-US" smtClean="0"/>
-              <a:t>12/6/2016</a:t>
+              <a:t>06-Dec-16</a:t>
             </a:fld>
             <a:endParaRPr lang="en-US"/>
           </a:p>
@@ -2543,7 +2551,7 @@
           <a:p>
             <a:fld id="{C104FF54-018A-427D-8C3B-D9A3981A5BBD}" type="datetimeFigureOut">
               <a:rPr lang="en-US" smtClean="0"/>
-              <a:t>12/6/2016</a:t>
+              <a:t>06-Dec-16</a:t>
             </a:fld>
             <a:endParaRPr lang="en-US"/>
           </a:p>
@@ -2748,7 +2756,7 @@
           <a:p>
             <a:fld id="{C104FF54-018A-427D-8C3B-D9A3981A5BBD}" type="datetimeFigureOut">
               <a:rPr lang="en-US" smtClean="0"/>
-              <a:t>12/6/2016</a:t>
+              <a:t>06-Dec-16</a:t>
             </a:fld>
             <a:endParaRPr lang="en-US"/>
           </a:p>
@@ -2959,7 +2967,7 @@
           <a:p>
             <a:fld id="{C104FF54-018A-427D-8C3B-D9A3981A5BBD}" type="datetimeFigureOut">
               <a:rPr lang="en-US" smtClean="0"/>
-              <a:t>12/6/2016</a:t>
+              <a:t>06-Dec-16</a:t>
             </a:fld>
             <a:endParaRPr lang="en-US"/>
           </a:p>
@@ -3191,7 +3199,7 @@
           <a:p>
             <a:fld id="{C104FF54-018A-427D-8C3B-D9A3981A5BBD}" type="datetimeFigureOut">
               <a:rPr lang="en-US" smtClean="0"/>
-              <a:t>12/6/2016</a:t>
+              <a:t>06-Dec-16</a:t>
             </a:fld>
             <a:endParaRPr lang="en-US"/>
           </a:p>
@@ -3439,7 +3447,7 @@
           <a:p>
             <a:fld id="{C104FF54-018A-427D-8C3B-D9A3981A5BBD}" type="datetimeFigureOut">
               <a:rPr lang="en-US" smtClean="0"/>
-              <a:t>12/6/2016</a:t>
+              <a:t>06-Dec-16</a:t>
             </a:fld>
             <a:endParaRPr lang="en-US"/>
           </a:p>
@@ -3737,7 +3745,7 @@
           <a:p>
             <a:fld id="{C104FF54-018A-427D-8C3B-D9A3981A5BBD}" type="datetimeFigureOut">
               <a:rPr lang="en-US" smtClean="0"/>
-              <a:t>12/6/2016</a:t>
+              <a:t>06-Dec-16</a:t>
             </a:fld>
             <a:endParaRPr lang="en-US"/>
           </a:p>
@@ -4131,7 +4139,7 @@
           <a:p>
             <a:fld id="{C104FF54-018A-427D-8C3B-D9A3981A5BBD}" type="datetimeFigureOut">
               <a:rPr lang="en-US" smtClean="0"/>
-              <a:t>12/6/2016</a:t>
+              <a:t>06-Dec-16</a:t>
             </a:fld>
             <a:endParaRPr lang="en-US"/>
           </a:p>
@@ -4280,7 +4288,7 @@
           <a:p>
             <a:fld id="{C104FF54-018A-427D-8C3B-D9A3981A5BBD}" type="datetimeFigureOut">
               <a:rPr lang="en-US" smtClean="0"/>
-              <a:t>12/6/2016</a:t>
+              <a:t>06-Dec-16</a:t>
             </a:fld>
             <a:endParaRPr lang="en-US"/>
           </a:p>
@@ -4406,7 +4414,7 @@
           <a:p>
             <a:fld id="{C104FF54-018A-427D-8C3B-D9A3981A5BBD}" type="datetimeFigureOut">
               <a:rPr lang="en-US" smtClean="0"/>
-              <a:t>12/6/2016</a:t>
+              <a:t>06-Dec-16</a:t>
             </a:fld>
             <a:endParaRPr lang="en-US"/>
           </a:p>
@@ -4661,7 +4669,7 @@
           <a:p>
             <a:fld id="{C104FF54-018A-427D-8C3B-D9A3981A5BBD}" type="datetimeFigureOut">
               <a:rPr lang="en-US" smtClean="0"/>
-              <a:t>12/6/2016</a:t>
+              <a:t>06-Dec-16</a:t>
             </a:fld>
             <a:endParaRPr lang="en-US"/>
           </a:p>
@@ -4976,7 +4984,7 @@
           <a:p>
             <a:fld id="{C104FF54-018A-427D-8C3B-D9A3981A5BBD}" type="datetimeFigureOut">
               <a:rPr lang="en-US" smtClean="0"/>
-              <a:t>12/6/2016</a:t>
+              <a:t>06-Dec-16</a:t>
             </a:fld>
             <a:endParaRPr lang="en-US"/>
           </a:p>
@@ -5327,7 +5335,7 @@
           <a:p>
             <a:fld id="{C104FF54-018A-427D-8C3B-D9A3981A5BBD}" type="datetimeFigureOut">
               <a:rPr lang="en-US" smtClean="0"/>
-              <a:t>12/6/2016</a:t>
+              <a:t>06-Dec-16</a:t>
             </a:fld>
             <a:endParaRPr lang="en-US"/>
           </a:p>
@@ -5910,19 +5918,11 @@
           <a:p>
             <a:r>
               <a:rPr lang="en-US" dirty="0" err="1" smtClean="0"/>
-              <a:t>Projektin</a:t>
+              <a:t>Projektinhallinta</a:t>
             </a:r>
             <a:r>
               <a:rPr lang="en-US" dirty="0" smtClean="0"/>
-              <a:t> </a:t>
-            </a:r>
-            <a:r>
-              <a:rPr lang="en-US" dirty="0" err="1" smtClean="0"/>
-              <a:t>hallinta</a:t>
-            </a:r>
-            <a:r>
-              <a:rPr lang="en-US" dirty="0" smtClean="0"/>
-              <a:t> </a:t>
+              <a:t> -</a:t>
             </a:r>
             <a:r>
               <a:rPr lang="en-US" dirty="0" err="1" smtClean="0"/>
@@ -5986,11 +5986,15 @@
           <a:p>
             <a:r>
               <a:rPr lang="en-US" dirty="0" err="1" smtClean="0"/>
-              <a:t>Atlaksen</a:t>
+              <a:t>Mikä</a:t>
+            </a:r>
+            <a:r>
+              <a:rPr lang="en-US" dirty="0"/>
+              <a:t> </a:t>
             </a:r>
             <a:r>
               <a:rPr lang="en-US" dirty="0" smtClean="0"/>
-              <a:t> idea</a:t>
+              <a:t>on Atlas?</a:t>
             </a:r>
             <a:endParaRPr lang="en-US" dirty="0"/>
           </a:p>
@@ -6006,22 +6010,28 @@
             <p:ph idx="1"/>
           </p:nvPr>
         </p:nvSpPr>
-        <p:spPr/>
-        <p:txBody>
-          <a:bodyPr/>
-          <a:lstStyle/>
-          <a:p>
-            <a:r>
-              <a:rPr lang="en-US" dirty="0" err="1" smtClean="0"/>
-              <a:t>Ideana</a:t>
-            </a:r>
+        <p:spPr>
+          <a:xfrm>
+            <a:off x="1819657" y="2926123"/>
+            <a:ext cx="4532375" cy="3321644"/>
+          </a:xfrm>
+        </p:spPr>
+        <p:txBody>
+          <a:bodyPr>
+            <a:normAutofit/>
+          </a:bodyPr>
+          <a:lstStyle/>
+          <a:p>
+            <a:pPr marL="0" indent="0">
+              <a:buNone/>
+            </a:pPr>
             <a:r>
               <a:rPr lang="en-US" dirty="0" smtClean="0"/>
-              <a:t> on </a:t>
-            </a:r>
-            <a:r>
-              <a:rPr lang="en-US" dirty="0" err="1" smtClean="0"/>
-              <a:t>esittää</a:t>
+              <a:t>Atlas </a:t>
+            </a:r>
+            <a:r>
+              <a:rPr lang="en-US" dirty="0" err="1" smtClean="0"/>
+              <a:t>kehitettiin</a:t>
             </a:r>
             <a:r>
               <a:rPr lang="en-US" dirty="0" smtClean="0"/>
@@ -6029,7 +6039,7 @@
             </a:r>
             <a:r>
               <a:rPr lang="en-US" dirty="0" err="1" smtClean="0"/>
-              <a:t>vierailevalle</a:t>
+              <a:t>projektien</a:t>
             </a:r>
             <a:r>
               <a:rPr lang="en-US" dirty="0" smtClean="0"/>
@@ -6037,7 +6047,15 @@
             </a:r>
             <a:r>
               <a:rPr lang="en-US" dirty="0" err="1" smtClean="0"/>
-              <a:t>käyttäjälle</a:t>
+              <a:t>seurantatyökaluksi</a:t>
+            </a:r>
+            <a:r>
+              <a:rPr lang="en-US" dirty="0" smtClean="0"/>
+              <a:t>, </a:t>
+            </a:r>
+            <a:r>
+              <a:rPr lang="en-US" dirty="0" err="1" smtClean="0"/>
+              <a:t>jolla</a:t>
             </a:r>
             <a:r>
               <a:rPr lang="en-US" dirty="0" smtClean="0"/>
@@ -6045,7 +6063,7 @@
             </a:r>
             <a:r>
               <a:rPr lang="en-US" dirty="0" err="1" smtClean="0"/>
-              <a:t>projektin</a:t>
+              <a:t>kuka</a:t>
             </a:r>
             <a:r>
               <a:rPr lang="en-US" dirty="0" smtClean="0"/>
@@ -6053,15 +6071,7 @@
             </a:r>
             <a:r>
               <a:rPr lang="en-US" dirty="0" err="1" smtClean="0"/>
-              <a:t>dokumentointi</a:t>
-            </a:r>
-            <a:r>
-              <a:rPr lang="en-US" dirty="0" smtClean="0"/>
-              <a:t> ja </a:t>
-            </a:r>
-            <a:r>
-              <a:rPr lang="en-US" dirty="0" err="1" smtClean="0"/>
-              <a:t>toteutus</a:t>
+              <a:t>tahansa</a:t>
             </a:r>
             <a:r>
               <a:rPr lang="en-US" dirty="0" smtClean="0"/>
@@ -6069,122 +6079,79 @@
             </a:r>
             <a:r>
               <a:rPr lang="en-US" dirty="0" err="1" smtClean="0"/>
-              <a:t>lyhyesti</a:t>
+              <a:t>voisi</a:t>
             </a:r>
             <a:r>
               <a:rPr lang="en-US" dirty="0" smtClean="0"/>
-              <a:t> ja </a:t>
-            </a:r>
-            <a:r>
-              <a:rPr lang="en-US" dirty="0" err="1" smtClean="0"/>
-              <a:t>ytimekkäästi</a:t>
+              <a:t> </a:t>
+            </a:r>
+            <a:r>
+              <a:rPr lang="en-US" dirty="0" err="1" smtClean="0"/>
+              <a:t>tarkastella</a:t>
+            </a:r>
+            <a:r>
+              <a:rPr lang="en-US" dirty="0" smtClean="0"/>
+              <a:t> </a:t>
+            </a:r>
+            <a:r>
+              <a:rPr lang="en-US" dirty="0" err="1" smtClean="0"/>
+              <a:t>tehtyjä</a:t>
+            </a:r>
+            <a:r>
+              <a:rPr lang="en-US" dirty="0" smtClean="0"/>
+              <a:t> tai </a:t>
+            </a:r>
+            <a:r>
+              <a:rPr lang="en-US" dirty="0" err="1" smtClean="0"/>
+              <a:t>tekeillä</a:t>
+            </a:r>
+            <a:r>
+              <a:rPr lang="en-US" dirty="0" smtClean="0"/>
+              <a:t> </a:t>
+            </a:r>
+            <a:r>
+              <a:rPr lang="en-US" dirty="0" err="1" smtClean="0"/>
+              <a:t>olevia</a:t>
+            </a:r>
+            <a:r>
+              <a:rPr lang="en-US" dirty="0" smtClean="0"/>
+              <a:t> </a:t>
+            </a:r>
+            <a:r>
+              <a:rPr lang="en-US" dirty="0" err="1" smtClean="0"/>
+              <a:t>projekteja</a:t>
             </a:r>
             <a:r>
               <a:rPr lang="en-US" dirty="0" smtClean="0"/>
               <a:t>.</a:t>
             </a:r>
           </a:p>
-          <a:p>
-            <a:r>
-              <a:rPr lang="en-US" dirty="0" err="1" smtClean="0"/>
-              <a:t>Kuten</a:t>
-            </a:r>
-            <a:r>
-              <a:rPr lang="en-US" dirty="0" smtClean="0"/>
-              <a:t> </a:t>
-            </a:r>
-            <a:r>
-              <a:rPr lang="en-US" dirty="0" err="1" smtClean="0"/>
-              <a:t>viimeisimmät</a:t>
-            </a:r>
-            <a:r>
-              <a:rPr lang="en-US" dirty="0" smtClean="0"/>
-              <a:t> </a:t>
-            </a:r>
-            <a:r>
-              <a:rPr lang="en-US" dirty="0" err="1" smtClean="0"/>
-              <a:t>Commitit</a:t>
-            </a:r>
-            <a:r>
-              <a:rPr lang="en-US" dirty="0" smtClean="0"/>
-              <a:t> </a:t>
-            </a:r>
-            <a:r>
-              <a:rPr lang="en-US" dirty="0" err="1" smtClean="0"/>
-              <a:t>Githubista</a:t>
-            </a:r>
-            <a:r>
-              <a:rPr lang="en-US" dirty="0" smtClean="0"/>
-              <a:t>, </a:t>
-            </a:r>
-            <a:r>
-              <a:rPr lang="en-US" dirty="0" err="1" smtClean="0"/>
-              <a:t>käytetyn</a:t>
-            </a:r>
-            <a:r>
-              <a:rPr lang="en-US" dirty="0" smtClean="0"/>
-              <a:t> </a:t>
-            </a:r>
-            <a:r>
-              <a:rPr lang="en-US" dirty="0" err="1" smtClean="0"/>
-              <a:t>ajan</a:t>
-            </a:r>
-            <a:r>
-              <a:rPr lang="en-US" dirty="0" smtClean="0"/>
-              <a:t> </a:t>
-            </a:r>
-            <a:r>
-              <a:rPr lang="en-US" dirty="0" err="1" smtClean="0"/>
-              <a:t>määrää</a:t>
-            </a:r>
-            <a:r>
-              <a:rPr lang="en-US" dirty="0" smtClean="0"/>
-              <a:t> ja </a:t>
-            </a:r>
-            <a:r>
-              <a:rPr lang="en-US" dirty="0" err="1" smtClean="0"/>
-              <a:t>mihin</a:t>
-            </a:r>
-            <a:r>
-              <a:rPr lang="en-US" dirty="0" smtClean="0"/>
-              <a:t> </a:t>
-            </a:r>
-            <a:r>
-              <a:rPr lang="en-US" dirty="0" err="1" smtClean="0"/>
-              <a:t>sitä</a:t>
-            </a:r>
-            <a:r>
-              <a:rPr lang="en-US" dirty="0" smtClean="0"/>
-              <a:t> on </a:t>
-            </a:r>
-            <a:r>
-              <a:rPr lang="en-US" dirty="0" err="1" smtClean="0"/>
-              <a:t>käytetty</a:t>
-            </a:r>
-            <a:r>
-              <a:rPr lang="en-US" dirty="0" smtClean="0"/>
-              <a:t>, </a:t>
-            </a:r>
-            <a:r>
-              <a:rPr lang="en-US" dirty="0" err="1" smtClean="0"/>
-              <a:t>sekä</a:t>
-            </a:r>
-            <a:r>
-              <a:rPr lang="en-US" dirty="0" smtClean="0"/>
-              <a:t> </a:t>
-            </a:r>
-            <a:r>
-              <a:rPr lang="en-US" dirty="0" err="1" smtClean="0"/>
-              <a:t>dokumentointi</a:t>
-            </a:r>
-            <a:r>
-              <a:rPr lang="en-US" dirty="0" smtClean="0"/>
-              <a:t>.</a:t>
-            </a:r>
-            <a:endParaRPr lang="en-US" dirty="0"/>
-          </a:p>
-        </p:txBody>
-      </p:sp>
+        </p:txBody>
+      </p:sp>
+      <p:pic>
+        <p:nvPicPr>
+          <p:cNvPr id="4" name="Picture 3"/>
+          <p:cNvPicPr>
+            <a:picLocks noChangeAspect="1"/>
+          </p:cNvPicPr>
+          <p:nvPr/>
+        </p:nvPicPr>
+        <p:blipFill>
+          <a:blip r:embed="rId2"/>
+          <a:stretch>
+            <a:fillRect/>
+          </a:stretch>
+        </p:blipFill>
+        <p:spPr>
+          <a:xfrm>
+            <a:off x="6883908" y="2926123"/>
+            <a:ext cx="2993613" cy="2614422"/>
+          </a:xfrm>
+          <a:prstGeom prst="rect">
+            <a:avLst/>
+          </a:prstGeom>
+        </p:spPr>
+      </p:pic>
     </p:spTree>
     <p:extLst>
       <p:ext uri="{BB962C8B-B14F-4D97-AF65-F5344CB8AC3E}">
@@ -6224,7 +6191,7 @@
       </p:grpSpPr>
       <p:sp>
         <p:nvSpPr>
-          <p:cNvPr id="10" name="Title 9"/>
+          <p:cNvPr id="2" name="Title 1"/>
           <p:cNvSpPr>
             <a:spLocks noGrp="1"/>
           </p:cNvSpPr>
@@ -6239,7 +6206,118 @@
           <a:p>
             <a:r>
               <a:rPr lang="en-US" dirty="0" err="1" smtClean="0"/>
-              <a:t>Toimintoja</a:t>
+              <a:t>Kohderyhmät</a:t>
+            </a:r>
+            <a:endParaRPr lang="en-US" dirty="0"/>
+          </a:p>
+        </p:txBody>
+      </p:sp>
+      <p:pic>
+        <p:nvPicPr>
+          <p:cNvPr id="5" name="Picture 4"/>
+          <p:cNvPicPr>
+            <a:picLocks noChangeAspect="1"/>
+          </p:cNvPicPr>
+          <p:nvPr/>
+        </p:nvPicPr>
+        <p:blipFill>
+          <a:blip r:embed="rId2"/>
+          <a:stretch>
+            <a:fillRect/>
+          </a:stretch>
+        </p:blipFill>
+        <p:spPr>
+          <a:xfrm>
+            <a:off x="6096000" y="2835401"/>
+            <a:ext cx="3429000" cy="2857500"/>
+          </a:xfrm>
+          <a:prstGeom prst="rect">
+            <a:avLst/>
+          </a:prstGeom>
+        </p:spPr>
+      </p:pic>
+      <p:pic>
+        <p:nvPicPr>
+          <p:cNvPr id="7" name="Content Placeholder 6"/>
+          <p:cNvPicPr>
+            <a:picLocks noGrp="1" noChangeAspect="1"/>
+          </p:cNvPicPr>
+          <p:nvPr>
+            <p:ph idx="1"/>
+          </p:nvPr>
+        </p:nvPicPr>
+        <p:blipFill>
+          <a:blip r:embed="rId3"/>
+          <a:stretch>
+            <a:fillRect/>
+          </a:stretch>
+        </p:blipFill>
+        <p:spPr>
+          <a:xfrm>
+            <a:off x="2192537" y="2605214"/>
+            <a:ext cx="3320270" cy="3317875"/>
+          </a:xfrm>
+          <a:prstGeom prst="rect">
+            <a:avLst/>
+          </a:prstGeom>
+        </p:spPr>
+      </p:pic>
+    </p:spTree>
+    <p:extLst>
+      <p:ext uri="{BB962C8B-B14F-4D97-AF65-F5344CB8AC3E}">
+        <p14:creationId xmlns:p14="http://schemas.microsoft.com/office/powerpoint/2010/main" val="1927490720"/>
+      </p:ext>
+    </p:extLst>
+  </p:cSld>
+  <p:clrMapOvr>
+    <a:masterClrMapping/>
+  </p:clrMapOvr>
+</p:sld>
+</file>
+
+<file path=ppt/slides/slide4.xml><?xml version="1.0" encoding="utf-8"?>
+<p:sld xmlns:a="http://schemas.openxmlformats.org/drawingml/2006/main" xmlns:r="http://schemas.openxmlformats.org/officeDocument/2006/relationships" xmlns:p="http://schemas.openxmlformats.org/presentationml/2006/main">
+  <p:cSld>
+    <p:spTree>
+      <p:nvGrpSpPr>
+        <p:cNvPr id="1" name=""/>
+        <p:cNvGrpSpPr/>
+        <p:nvPr/>
+      </p:nvGrpSpPr>
+      <p:grpSpPr>
+        <a:xfrm>
+          <a:off x="0" y="0"/>
+          <a:ext cx="0" cy="0"/>
+          <a:chOff x="0" y="0"/>
+          <a:chExt cx="0" cy="0"/>
+        </a:xfrm>
+      </p:grpSpPr>
+      <p:sp>
+        <p:nvSpPr>
+          <p:cNvPr id="2" name="Title 1"/>
+          <p:cNvSpPr>
+            <a:spLocks noGrp="1"/>
+          </p:cNvSpPr>
+          <p:nvPr>
+            <p:ph type="title"/>
+          </p:nvPr>
+        </p:nvSpPr>
+        <p:spPr/>
+        <p:txBody>
+          <a:bodyPr/>
+          <a:lstStyle/>
+          <a:p>
+            <a:r>
+              <a:rPr lang="en-US" dirty="0" err="1" smtClean="0"/>
+              <a:t>Mitä</a:t>
+            </a:r>
+            <a:r>
+              <a:rPr lang="en-US" dirty="0" smtClean="0"/>
+              <a:t> Atlas </a:t>
+            </a:r>
+            <a:r>
+              <a:rPr lang="en-US" dirty="0" err="1" smtClean="0"/>
+              <a:t>tarjoaa</a:t>
             </a:r>
             <a:r>
               <a:rPr lang="en-US" dirty="0" smtClean="0"/>
@@ -6247,7 +6325,7 @@
             </a:r>
             <a:r>
               <a:rPr lang="en-US" dirty="0" err="1" smtClean="0"/>
-              <a:t>käyttäjälle</a:t>
+              <a:t>kaikille</a:t>
             </a:r>
             <a:endParaRPr lang="en-US" dirty="0"/>
           </a:p>
@@ -6255,7 +6333,7 @@
       </p:sp>
       <p:sp>
         <p:nvSpPr>
-          <p:cNvPr id="11" name="Content Placeholder 10"/>
+          <p:cNvPr id="3" name="Content Placeholder 2"/>
           <p:cNvSpPr>
             <a:spLocks noGrp="1"/>
           </p:cNvSpPr>
@@ -6265,12 +6343,29 @@
         </p:nvSpPr>
         <p:spPr/>
         <p:txBody>
-          <a:bodyPr/>
-          <a:lstStyle/>
-          <a:p>
-            <a:r>
-              <a:rPr lang="en-US" dirty="0" err="1" smtClean="0"/>
-              <a:t>Kirjautunut</a:t>
+          <a:bodyPr>
+            <a:normAutofit/>
+          </a:bodyPr>
+          <a:lstStyle/>
+          <a:p>
+            <a:pPr marL="0" indent="0">
+              <a:buNone/>
+            </a:pPr>
+            <a:r>
+              <a:rPr lang="en-US" dirty="0" smtClean="0"/>
+              <a:t>Jos </a:t>
+            </a:r>
+            <a:r>
+              <a:rPr lang="en-US" dirty="0" err="1" smtClean="0"/>
+              <a:t>projekti</a:t>
+            </a:r>
+            <a:r>
+              <a:rPr lang="en-US" dirty="0" smtClean="0"/>
+              <a:t> on </a:t>
+            </a:r>
+            <a:r>
+              <a:rPr lang="en-US" dirty="0" err="1" smtClean="0"/>
+              <a:t>merkitty</a:t>
             </a:r>
             <a:r>
               <a:rPr lang="en-US" dirty="0" smtClean="0"/>
@@ -6278,7 +6373,15 @@
             </a:r>
             <a:r>
               <a:rPr lang="en-US" dirty="0" err="1" smtClean="0"/>
-              <a:t>käyttäjä</a:t>
+              <a:t>julkiseksi</a:t>
+            </a:r>
+            <a:r>
+              <a:rPr lang="en-US" dirty="0" smtClean="0"/>
+              <a:t>, </a:t>
+            </a:r>
+            <a:r>
+              <a:rPr lang="en-US" dirty="0" err="1" smtClean="0"/>
+              <a:t>siitä</a:t>
             </a:r>
             <a:r>
               <a:rPr lang="en-US" dirty="0" smtClean="0"/>
@@ -6294,7 +6397,14 @@
             </a:r>
             <a:r>
               <a:rPr lang="en-US" dirty="0" err="1" smtClean="0"/>
-              <a:t>luoda</a:t>
+              <a:t>nähdä</a:t>
+            </a:r>
+            <a:endParaRPr lang="en-US" dirty="0" smtClean="0"/>
+          </a:p>
+          <a:p>
+            <a:r>
+              <a:rPr lang="en-US" dirty="0" err="1" smtClean="0"/>
+              <a:t>Käytetyt</a:t>
             </a:r>
             <a:r>
               <a:rPr lang="en-US" dirty="0" smtClean="0"/>
@@ -6302,7 +6412,14 @@
             </a:r>
             <a:r>
               <a:rPr lang="en-US" dirty="0" err="1" smtClean="0"/>
-              <a:t>uusia</a:t>
+              <a:t>kielet</a:t>
+            </a:r>
+            <a:endParaRPr lang="en-US" dirty="0" smtClean="0"/>
+          </a:p>
+          <a:p>
+            <a:r>
+              <a:rPr lang="en-US" dirty="0" err="1" smtClean="0"/>
+              <a:t>Tehdyn</a:t>
             </a:r>
             <a:r>
               <a:rPr lang="en-US" dirty="0" smtClean="0"/>
@@ -6310,6 +6427,244 @@
             </a:r>
             <a:r>
               <a:rPr lang="en-US" dirty="0" err="1" smtClean="0"/>
+              <a:t>työmäärän</a:t>
+            </a:r>
+            <a:r>
+              <a:rPr lang="en-US" dirty="0" smtClean="0"/>
+              <a:t> </a:t>
+            </a:r>
+            <a:r>
+              <a:rPr lang="en-US" dirty="0" err="1" smtClean="0"/>
+              <a:t>aihealueittain</a:t>
+            </a:r>
+            <a:endParaRPr lang="en-US" dirty="0" smtClean="0"/>
+          </a:p>
+          <a:p>
+            <a:r>
+              <a:rPr lang="en-US" dirty="0" err="1" smtClean="0"/>
+              <a:t>Viimeisimmät</a:t>
+            </a:r>
+            <a:r>
+              <a:rPr lang="en-US" dirty="0" smtClean="0"/>
+              <a:t> </a:t>
+            </a:r>
+            <a:r>
+              <a:rPr lang="en-US" dirty="0" err="1" smtClean="0"/>
+              <a:t>commitit</a:t>
+            </a:r>
+            <a:r>
+              <a:rPr lang="en-US" dirty="0" smtClean="0"/>
+              <a:t> </a:t>
+            </a:r>
+            <a:r>
+              <a:rPr lang="en-US" dirty="0" err="1" smtClean="0"/>
+              <a:t>GitHubista</a:t>
+            </a:r>
+            <a:endParaRPr lang="en-US" dirty="0" smtClean="0"/>
+          </a:p>
+          <a:p>
+            <a:r>
+              <a:rPr lang="en-US" dirty="0" err="1" smtClean="0"/>
+              <a:t>Dokumentaatiota</a:t>
+            </a:r>
+            <a:endParaRPr lang="en-US" dirty="0"/>
+          </a:p>
+          <a:p>
+            <a:pPr marL="0" indent="0">
+              <a:buNone/>
+            </a:pPr>
+            <a:r>
+              <a:rPr lang="en-US" dirty="0" err="1" smtClean="0"/>
+              <a:t>Yksityiset</a:t>
+            </a:r>
+            <a:r>
+              <a:rPr lang="en-US" dirty="0" smtClean="0"/>
+              <a:t> </a:t>
+            </a:r>
+            <a:r>
+              <a:rPr lang="en-US" dirty="0" err="1" smtClean="0"/>
+              <a:t>projektit</a:t>
+            </a:r>
+            <a:r>
+              <a:rPr lang="en-US" dirty="0" smtClean="0"/>
+              <a:t> </a:t>
+            </a:r>
+            <a:r>
+              <a:rPr lang="en-US" dirty="0" err="1" smtClean="0"/>
+              <a:t>eivät</a:t>
+            </a:r>
+            <a:r>
+              <a:rPr lang="en-US" dirty="0" smtClean="0"/>
+              <a:t> ole </a:t>
+            </a:r>
+            <a:r>
+              <a:rPr lang="en-US" dirty="0" err="1" smtClean="0"/>
+              <a:t>nähtävissä</a:t>
+            </a:r>
+            <a:r>
+              <a:rPr lang="en-US" dirty="0" smtClean="0"/>
+              <a:t>.</a:t>
+            </a:r>
+          </a:p>
+        </p:txBody>
+      </p:sp>
+    </p:spTree>
+    <p:extLst>
+      <p:ext uri="{BB962C8B-B14F-4D97-AF65-F5344CB8AC3E}">
+        <p14:creationId xmlns:p14="http://schemas.microsoft.com/office/powerpoint/2010/main" val="3674848692"/>
+      </p:ext>
+    </p:extLst>
+  </p:cSld>
+  <p:clrMapOvr>
+    <a:masterClrMapping/>
+  </p:clrMapOvr>
+</p:sld>
+</file>
+
+<file path=ppt/slides/slide5.xml><?xml version="1.0" encoding="utf-8"?>
+<p:sld xmlns:a="http://schemas.openxmlformats.org/drawingml/2006/main" xmlns:r="http://schemas.openxmlformats.org/officeDocument/2006/relationships" xmlns:p="http://schemas.openxmlformats.org/presentationml/2006/main">
+  <p:cSld>
+    <p:spTree>
+      <p:nvGrpSpPr>
+        <p:cNvPr id="1" name=""/>
+        <p:cNvGrpSpPr/>
+        <p:nvPr/>
+      </p:nvGrpSpPr>
+      <p:grpSpPr>
+        <a:xfrm>
+          <a:off x="0" y="0"/>
+          <a:ext cx="0" cy="0"/>
+          <a:chOff x="0" y="0"/>
+          <a:chExt cx="0" cy="0"/>
+        </a:xfrm>
+      </p:grpSpPr>
+      <p:sp>
+        <p:nvSpPr>
+          <p:cNvPr id="10" name="Title 9"/>
+          <p:cNvSpPr>
+            <a:spLocks noGrp="1"/>
+          </p:cNvSpPr>
+          <p:nvPr>
+            <p:ph type="title"/>
+          </p:nvPr>
+        </p:nvSpPr>
+        <p:spPr/>
+        <p:txBody>
+          <a:bodyPr/>
+          <a:lstStyle/>
+          <a:p>
+            <a:r>
+              <a:rPr lang="en-US" dirty="0" err="1" smtClean="0"/>
+              <a:t>Toimintoja</a:t>
+            </a:r>
+            <a:r>
+              <a:rPr lang="en-US" dirty="0" smtClean="0"/>
+              <a:t> </a:t>
+            </a:r>
+            <a:r>
+              <a:rPr lang="en-US" dirty="0" err="1" smtClean="0"/>
+              <a:t>kirjautuneelle</a:t>
+            </a:r>
+            <a:r>
+              <a:rPr lang="en-US" dirty="0" smtClean="0"/>
+              <a:t> </a:t>
+            </a:r>
+            <a:r>
+              <a:rPr lang="en-US" dirty="0" err="1" smtClean="0"/>
+              <a:t>käyttäjälle</a:t>
+            </a:r>
+            <a:endParaRPr lang="en-US" dirty="0"/>
+          </a:p>
+        </p:txBody>
+      </p:sp>
+      <p:sp>
+        <p:nvSpPr>
+          <p:cNvPr id="11" name="Content Placeholder 10"/>
+          <p:cNvSpPr>
+            <a:spLocks noGrp="1"/>
+          </p:cNvSpPr>
+          <p:nvPr>
+            <p:ph idx="1"/>
+          </p:nvPr>
+        </p:nvSpPr>
+        <p:spPr/>
+        <p:txBody>
+          <a:bodyPr>
+            <a:normAutofit lnSpcReduction="10000"/>
+          </a:bodyPr>
+          <a:lstStyle/>
+          <a:p>
+            <a:pPr marL="0" indent="0">
+              <a:buNone/>
+            </a:pPr>
+            <a:r>
+              <a:rPr lang="en-US" dirty="0" err="1" smtClean="0"/>
+              <a:t>Kaikkien</a:t>
+            </a:r>
+            <a:r>
+              <a:rPr lang="en-US" dirty="0" smtClean="0"/>
+              <a:t> </a:t>
+            </a:r>
+            <a:r>
+              <a:rPr lang="en-US" dirty="0" err="1" smtClean="0"/>
+              <a:t>kirjautumattoman</a:t>
+            </a:r>
+            <a:r>
+              <a:rPr lang="en-US" dirty="0" smtClean="0"/>
+              <a:t> </a:t>
+            </a:r>
+            <a:r>
+              <a:rPr lang="en-US" dirty="0" err="1" smtClean="0"/>
+              <a:t>käyttäjän</a:t>
+            </a:r>
+            <a:r>
+              <a:rPr lang="en-US" dirty="0" smtClean="0"/>
+              <a:t> </a:t>
+            </a:r>
+            <a:r>
+              <a:rPr lang="en-US" dirty="0" err="1" smtClean="0"/>
+              <a:t>mahdollisuuksien</a:t>
+            </a:r>
+            <a:r>
+              <a:rPr lang="en-US" dirty="0" smtClean="0"/>
+              <a:t> </a:t>
+            </a:r>
+            <a:r>
+              <a:rPr lang="en-US" dirty="0" err="1" smtClean="0"/>
+              <a:t>lisäksi</a:t>
+            </a:r>
+            <a:r>
+              <a:rPr lang="en-US" dirty="0" smtClean="0"/>
+              <a:t> </a:t>
+            </a:r>
+            <a:r>
+              <a:rPr lang="en-US" dirty="0" err="1" smtClean="0"/>
+              <a:t>voidaan</a:t>
+            </a:r>
+            <a:r>
+              <a:rPr lang="en-US" dirty="0" smtClean="0"/>
+              <a:t>:</a:t>
+            </a:r>
+          </a:p>
+          <a:p>
+            <a:r>
+              <a:rPr lang="en-US" dirty="0" err="1" smtClean="0"/>
+              <a:t>Luoda</a:t>
+            </a:r>
+            <a:r>
+              <a:rPr lang="en-US" dirty="0" smtClean="0"/>
+              <a:t> </a:t>
+            </a:r>
+            <a:r>
+              <a:rPr lang="en-US" dirty="0" err="1" smtClean="0"/>
+              <a:t>uusia</a:t>
+            </a:r>
+            <a:r>
+              <a:rPr lang="en-US" dirty="0" smtClean="0"/>
+              <a:t> </a:t>
+            </a:r>
+            <a:r>
+              <a:rPr lang="en-US" dirty="0" err="1" smtClean="0"/>
               <a:t>projekteja</a:t>
             </a:r>
             <a:r>
@@ -6399,7 +6754,7 @@
             </a:r>
             <a:r>
               <a:rPr lang="en-US" dirty="0" err="1" smtClean="0"/>
-              <a:t>käyttäjiä</a:t>
+              <a:t>kirjautuneita</a:t>
             </a:r>
             <a:r>
               <a:rPr lang="en-US" dirty="0" smtClean="0"/>
@@ -6407,14 +6762,7 @@
             </a:r>
             <a:r>
               <a:rPr lang="en-US" dirty="0" err="1" smtClean="0"/>
-              <a:t>projektiin</a:t>
-            </a:r>
-            <a:endParaRPr lang="en-US" dirty="0" smtClean="0"/>
-          </a:p>
-          <a:p>
-            <a:r>
-              <a:rPr lang="en-US" dirty="0" err="1" smtClean="0"/>
-              <a:t>Kirjoittaa</a:t>
+              <a:t>käyttäjiä</a:t>
             </a:r>
             <a:r>
               <a:rPr lang="en-US" dirty="0" smtClean="0"/>
@@ -6422,14 +6770,14 @@
             </a:r>
             <a:r>
               <a:rPr lang="en-US" dirty="0" err="1" smtClean="0"/>
-              <a:t>dokumentaatiota</a:t>
+              <a:t>projektiin</a:t>
             </a:r>
             <a:endParaRPr lang="en-US" dirty="0" smtClean="0"/>
           </a:p>
           <a:p>
             <a:r>
               <a:rPr lang="en-US" dirty="0" err="1" smtClean="0"/>
-              <a:t>Jokainen</a:t>
+              <a:t>Kirjoittaa</a:t>
             </a:r>
             <a:r>
               <a:rPr lang="en-US" dirty="0" smtClean="0"/>
@@ -6437,7 +6785,25 @@
             </a:r>
             <a:r>
               <a:rPr lang="en-US" dirty="0" err="1" smtClean="0"/>
-              <a:t>käyttäjä</a:t>
+              <a:t>dokumentaatiota</a:t>
+            </a:r>
+            <a:endParaRPr lang="en-US" dirty="0" smtClean="0"/>
+          </a:p>
+          <a:p>
+            <a:pPr marL="0" indent="0">
+              <a:buNone/>
+            </a:pPr>
+            <a:r>
+              <a:rPr lang="en-US" dirty="0" err="1" smtClean="0"/>
+              <a:t>Huom</a:t>
+            </a:r>
+            <a:r>
+              <a:rPr lang="en-US" dirty="0" smtClean="0"/>
+              <a:t>! </a:t>
+            </a:r>
+            <a:r>
+              <a:rPr lang="en-US" dirty="0" err="1" smtClean="0"/>
+              <a:t>Käyttäjät</a:t>
             </a:r>
             <a:r>
               <a:rPr lang="en-US" dirty="0" smtClean="0"/>
@@ -6445,7 +6811,7 @@
             </a:r>
             <a:r>
               <a:rPr lang="en-US" dirty="0" err="1" smtClean="0"/>
-              <a:t>voi</a:t>
+              <a:t>eivät</a:t>
             </a:r>
             <a:r>
               <a:rPr lang="en-US" dirty="0" smtClean="0"/>
@@ -6453,15 +6819,7 @@
             </a:r>
             <a:r>
               <a:rPr lang="en-US" dirty="0" err="1" smtClean="0"/>
-              <a:t>muokata</a:t>
-            </a:r>
-            <a:r>
-              <a:rPr lang="en-US" dirty="0" smtClean="0"/>
-              <a:t> vain </a:t>
-            </a:r>
-            <a:r>
-              <a:rPr lang="en-US" dirty="0" err="1" smtClean="0"/>
-              <a:t>omia</a:t>
+              <a:t>voi</a:t>
             </a:r>
             <a:r>
               <a:rPr lang="en-US" dirty="0" smtClean="0"/>
@@ -6469,7 +6827,67 @@
             </a:r>
             <a:r>
               <a:rPr lang="en-US" dirty="0" err="1" smtClean="0"/>
-              <a:t>projektejaan</a:t>
+              <a:t>muokata</a:t>
+            </a:r>
+            <a:r>
+              <a:rPr lang="en-US" dirty="0" smtClean="0"/>
+              <a:t> </a:t>
+            </a:r>
+            <a:r>
+              <a:rPr lang="en-US" dirty="0" err="1" smtClean="0"/>
+              <a:t>toisten</a:t>
+            </a:r>
+            <a:r>
+              <a:rPr lang="en-US" dirty="0" smtClean="0"/>
+              <a:t> </a:t>
+            </a:r>
+            <a:r>
+              <a:rPr lang="en-US" dirty="0" err="1" smtClean="0"/>
+              <a:t>projekteja</a:t>
+            </a:r>
+            <a:r>
+              <a:rPr lang="en-US" dirty="0" smtClean="0"/>
+              <a:t>, </a:t>
+            </a:r>
+            <a:r>
+              <a:rPr lang="en-US" dirty="0" err="1" smtClean="0"/>
+              <a:t>joihin</a:t>
+            </a:r>
+            <a:r>
+              <a:rPr lang="en-US" dirty="0" smtClean="0"/>
+              <a:t> </a:t>
+            </a:r>
+            <a:r>
+              <a:rPr lang="en-US" dirty="0" err="1" smtClean="0"/>
+              <a:t>heitä</a:t>
+            </a:r>
+            <a:r>
+              <a:rPr lang="en-US" dirty="0" smtClean="0"/>
+              <a:t> </a:t>
+            </a:r>
+            <a:r>
+              <a:rPr lang="en-US" dirty="0" err="1" smtClean="0"/>
+              <a:t>ei</a:t>
+            </a:r>
+            <a:r>
+              <a:rPr lang="en-US" dirty="0" smtClean="0"/>
+              <a:t> ole </a:t>
+            </a:r>
+            <a:r>
+              <a:rPr lang="en-US" dirty="0" err="1" smtClean="0"/>
+              <a:t>kutsuttu</a:t>
+            </a:r>
+            <a:r>
+              <a:rPr lang="en-US" dirty="0" smtClean="0"/>
+              <a:t> </a:t>
+            </a:r>
+            <a:r>
+              <a:rPr lang="en-US" dirty="0" err="1" smtClean="0"/>
+              <a:t>osallisiksi</a:t>
+            </a:r>
+            <a:r>
+              <a:rPr lang="en-US" dirty="0" smtClean="0"/>
+              <a:t>.</a:t>
             </a:r>
             <a:endParaRPr lang="en-US" dirty="0"/>
           </a:p>
@@ -6495,7 +6913,7 @@
 </p:sld>
 </file>
 
-<file path=ppt/slides/slide4.xml><?xml version="1.0" encoding="utf-8"?>
+<file path=ppt/slides/slide6.xml><?xml version="1.0" encoding="utf-8"?>
 <p:sld xmlns:a="http://schemas.openxmlformats.org/drawingml/2006/main" xmlns:r="http://schemas.openxmlformats.org/officeDocument/2006/relationships" xmlns:p="http://schemas.openxmlformats.org/presentationml/2006/main">
   <p:cSld>
     <p:spTree>
@@ -6609,6 +7027,62 @@
       </p:par>
     </p:tnLst>
   </p:timing>
+</p:sld>
+</file>
+
+<file path=ppt/slides/slide7.xml><?xml version="1.0" encoding="utf-8"?>
+<p:sld xmlns:a="http://schemas.openxmlformats.org/drawingml/2006/main" xmlns:r="http://schemas.openxmlformats.org/officeDocument/2006/relationships" xmlns:p="http://schemas.openxmlformats.org/presentationml/2006/main">
+  <p:cSld>
+    <p:spTree>
+      <p:nvGrpSpPr>
+        <p:cNvPr id="1" name=""/>
+        <p:cNvGrpSpPr/>
+        <p:nvPr/>
+      </p:nvGrpSpPr>
+      <p:grpSpPr>
+        <a:xfrm>
+          <a:off x="0" y="0"/>
+          <a:ext cx="0" cy="0"/>
+          <a:chOff x="0" y="0"/>
+          <a:chExt cx="0" cy="0"/>
+        </a:xfrm>
+      </p:grpSpPr>
+      <p:sp>
+        <p:nvSpPr>
+          <p:cNvPr id="3" name="Content Placeholder 2"/>
+          <p:cNvSpPr>
+            <a:spLocks noGrp="1"/>
+          </p:cNvSpPr>
+          <p:nvPr>
+            <p:ph idx="1"/>
+          </p:nvPr>
+        </p:nvSpPr>
+        <p:spPr/>
+        <p:txBody>
+          <a:bodyPr/>
+          <a:lstStyle/>
+          <a:p>
+            <a:pPr marL="0" indent="0" algn="ctr">
+              <a:buNone/>
+            </a:pPr>
+            <a:r>
+              <a:rPr lang="en-US" sz="8800" dirty="0" smtClean="0"/>
+              <a:t>DEMO</a:t>
+            </a:r>
+            <a:endParaRPr lang="en-US" dirty="0"/>
+          </a:p>
+        </p:txBody>
+      </p:sp>
+    </p:spTree>
+    <p:extLst>
+      <p:ext uri="{BB962C8B-B14F-4D97-AF65-F5344CB8AC3E}">
+        <p14:creationId xmlns:p14="http://schemas.microsoft.com/office/powerpoint/2010/main" val="196592277"/>
+      </p:ext>
+    </p:extLst>
+  </p:cSld>
+  <p:clrMapOvr>
+    <a:masterClrMapping/>
+  </p:clrMapOvr>
 </p:sld>
 </file>
 

--- a/Atlas.pptx
+++ b/Atlas.pptx
@@ -449,7 +449,7 @@
           <a:p>
             <a:fld id="{C104FF54-018A-427D-8C3B-D9A3981A5BBD}" type="datetimeFigureOut">
               <a:rPr lang="en-US" smtClean="0"/>
-              <a:t>06-Dec-16</a:t>
+              <a:t>12/8/2016</a:t>
             </a:fld>
             <a:endParaRPr lang="en-US"/>
           </a:p>
@@ -773,7 +773,7 @@
           <a:p>
             <a:fld id="{C104FF54-018A-427D-8C3B-D9A3981A5BBD}" type="datetimeFigureOut">
               <a:rPr lang="en-US" smtClean="0"/>
-              <a:t>06-Dec-16</a:t>
+              <a:t>12/8/2016</a:t>
             </a:fld>
             <a:endParaRPr lang="en-US"/>
           </a:p>
@@ -1021,7 +1021,7 @@
           <a:p>
             <a:fld id="{C104FF54-018A-427D-8C3B-D9A3981A5BBD}" type="datetimeFigureOut">
               <a:rPr lang="en-US" smtClean="0"/>
-              <a:t>06-Dec-16</a:t>
+              <a:t>12/8/2016</a:t>
             </a:fld>
             <a:endParaRPr lang="en-US"/>
           </a:p>
@@ -1360,7 +1360,7 @@
           <a:p>
             <a:fld id="{C104FF54-018A-427D-8C3B-D9A3981A5BBD}" type="datetimeFigureOut">
               <a:rPr lang="en-US" smtClean="0"/>
-              <a:t>06-Dec-16</a:t>
+              <a:t>12/8/2016</a:t>
             </a:fld>
             <a:endParaRPr lang="en-US"/>
           </a:p>
@@ -1707,7 +1707,7 @@
           <a:p>
             <a:fld id="{C104FF54-018A-427D-8C3B-D9A3981A5BBD}" type="datetimeFigureOut">
               <a:rPr lang="en-US" smtClean="0"/>
-              <a:t>06-Dec-16</a:t>
+              <a:t>12/8/2016</a:t>
             </a:fld>
             <a:endParaRPr lang="en-US"/>
           </a:p>
@@ -2081,7 +2081,7 @@
           <a:p>
             <a:fld id="{C104FF54-018A-427D-8C3B-D9A3981A5BBD}" type="datetimeFigureOut">
               <a:rPr lang="en-US" smtClean="0"/>
-              <a:t>06-Dec-16</a:t>
+              <a:t>12/8/2016</a:t>
             </a:fld>
             <a:endParaRPr lang="en-US"/>
           </a:p>
@@ -2551,7 +2551,7 @@
           <a:p>
             <a:fld id="{C104FF54-018A-427D-8C3B-D9A3981A5BBD}" type="datetimeFigureOut">
               <a:rPr lang="en-US" smtClean="0"/>
-              <a:t>06-Dec-16</a:t>
+              <a:t>12/8/2016</a:t>
             </a:fld>
             <a:endParaRPr lang="en-US"/>
           </a:p>
@@ -2756,7 +2756,7 @@
           <a:p>
             <a:fld id="{C104FF54-018A-427D-8C3B-D9A3981A5BBD}" type="datetimeFigureOut">
               <a:rPr lang="en-US" smtClean="0"/>
-              <a:t>06-Dec-16</a:t>
+              <a:t>12/8/2016</a:t>
             </a:fld>
             <a:endParaRPr lang="en-US"/>
           </a:p>
@@ -2967,7 +2967,7 @@
           <a:p>
             <a:fld id="{C104FF54-018A-427D-8C3B-D9A3981A5BBD}" type="datetimeFigureOut">
               <a:rPr lang="en-US" smtClean="0"/>
-              <a:t>06-Dec-16</a:t>
+              <a:t>12/8/2016</a:t>
             </a:fld>
             <a:endParaRPr lang="en-US"/>
           </a:p>
@@ -3199,7 +3199,7 @@
           <a:p>
             <a:fld id="{C104FF54-018A-427D-8C3B-D9A3981A5BBD}" type="datetimeFigureOut">
               <a:rPr lang="en-US" smtClean="0"/>
-              <a:t>06-Dec-16</a:t>
+              <a:t>12/8/2016</a:t>
             </a:fld>
             <a:endParaRPr lang="en-US"/>
           </a:p>
@@ -3447,7 +3447,7 @@
           <a:p>
             <a:fld id="{C104FF54-018A-427D-8C3B-D9A3981A5BBD}" type="datetimeFigureOut">
               <a:rPr lang="en-US" smtClean="0"/>
-              <a:t>06-Dec-16</a:t>
+              <a:t>12/8/2016</a:t>
             </a:fld>
             <a:endParaRPr lang="en-US"/>
           </a:p>
@@ -3745,7 +3745,7 @@
           <a:p>
             <a:fld id="{C104FF54-018A-427D-8C3B-D9A3981A5BBD}" type="datetimeFigureOut">
               <a:rPr lang="en-US" smtClean="0"/>
-              <a:t>06-Dec-16</a:t>
+              <a:t>12/8/2016</a:t>
             </a:fld>
             <a:endParaRPr lang="en-US"/>
           </a:p>
@@ -4139,7 +4139,7 @@
           <a:p>
             <a:fld id="{C104FF54-018A-427D-8C3B-D9A3981A5BBD}" type="datetimeFigureOut">
               <a:rPr lang="en-US" smtClean="0"/>
-              <a:t>06-Dec-16</a:t>
+              <a:t>12/8/2016</a:t>
             </a:fld>
             <a:endParaRPr lang="en-US"/>
           </a:p>
@@ -4288,7 +4288,7 @@
           <a:p>
             <a:fld id="{C104FF54-018A-427D-8C3B-D9A3981A5BBD}" type="datetimeFigureOut">
               <a:rPr lang="en-US" smtClean="0"/>
-              <a:t>06-Dec-16</a:t>
+              <a:t>12/8/2016</a:t>
             </a:fld>
             <a:endParaRPr lang="en-US"/>
           </a:p>
@@ -4414,7 +4414,7 @@
           <a:p>
             <a:fld id="{C104FF54-018A-427D-8C3B-D9A3981A5BBD}" type="datetimeFigureOut">
               <a:rPr lang="en-US" smtClean="0"/>
-              <a:t>06-Dec-16</a:t>
+              <a:t>12/8/2016</a:t>
             </a:fld>
             <a:endParaRPr lang="en-US"/>
           </a:p>
@@ -4669,7 +4669,7 @@
           <a:p>
             <a:fld id="{C104FF54-018A-427D-8C3B-D9A3981A5BBD}" type="datetimeFigureOut">
               <a:rPr lang="en-US" smtClean="0"/>
-              <a:t>06-Dec-16</a:t>
+              <a:t>12/8/2016</a:t>
             </a:fld>
             <a:endParaRPr lang="en-US"/>
           </a:p>
@@ -4984,7 +4984,7 @@
           <a:p>
             <a:fld id="{C104FF54-018A-427D-8C3B-D9A3981A5BBD}" type="datetimeFigureOut">
               <a:rPr lang="en-US" smtClean="0"/>
-              <a:t>06-Dec-16</a:t>
+              <a:t>12/8/2016</a:t>
             </a:fld>
             <a:endParaRPr lang="en-US"/>
           </a:p>
@@ -5335,7 +5335,7 @@
           <a:p>
             <a:fld id="{C104FF54-018A-427D-8C3B-D9A3981A5BBD}" type="datetimeFigureOut">
               <a:rPr lang="en-US" smtClean="0"/>
-              <a:t>06-Dec-16</a:t>
+              <a:t>12/8/2016</a:t>
             </a:fld>
             <a:endParaRPr lang="en-US"/>
           </a:p>
@@ -6977,6 +6977,13 @@
           <a:lstStyle/>
           <a:p>
             <a:r>
+              <a:rPr lang="fi-FI" smtClean="0"/>
+              <a:t>Visual Studio</a:t>
+            </a:r>
+            <a:endParaRPr lang="en-US" smtClean="0"/>
+          </a:p>
+          <a:p>
+            <a:r>
               <a:rPr lang="en-US" dirty="0" err="1" smtClean="0"/>
               <a:t>MarkedNet</a:t>
             </a:r>

--- a/Atlas.pptx
+++ b/Atlas.pptx
@@ -6973,12 +6973,28 @@
         </p:nvSpPr>
         <p:spPr/>
         <p:txBody>
-          <a:bodyPr/>
-          <a:lstStyle/>
-          <a:p>
+          <a:bodyPr>
+            <a:normAutofit lnSpcReduction="10000"/>
+          </a:bodyPr>
+          <a:lstStyle/>
+          <a:p>
+            <a:r>
+              <a:rPr lang="fi-FI" dirty="0" smtClean="0"/>
+              <a:t>Visual </a:t>
+            </a:r>
+            <a:r>
+              <a:rPr lang="fi-FI" dirty="0" smtClean="0"/>
+              <a:t>Studio</a:t>
+            </a:r>
+          </a:p>
+          <a:p>
+            <a:r>
+              <a:rPr lang="fi-FI" dirty="0" err="1" smtClean="0"/>
+              <a:t>Entity</a:t>
+            </a:r>
             <a:r>
               <a:rPr lang="fi-FI" smtClean="0"/>
-              <a:t>Visual Studio</a:t>
+              <a:t> Framework</a:t>
             </a:r>
             <a:endParaRPr lang="en-US" smtClean="0"/>
           </a:p>
